--- a/SLIDE DECK/Jacob Posz Capstone Presentation.pptx
+++ b/SLIDE DECK/Jacob Posz Capstone Presentation.pptx
@@ -810,7 +810,7 @@
   <p:cSld>
     <p:spTree>
       <p:nvGrpSpPr>
-        <p:cNvPr id="64" name="Shape 64"/>
+        <p:cNvPr id="65" name="Shape 65"/>
         <p:cNvGrpSpPr/>
         <p:nvPr/>
       </p:nvGrpSpPr>
@@ -824,7 +824,7 @@
       </p:grpSpPr>
       <p:sp>
         <p:nvSpPr>
-          <p:cNvPr id="65" name="Google Shape;65;g22a1db60948_0_152:notes"/>
+          <p:cNvPr id="66" name="Google Shape;66;g22a1db60948_0_152:notes"/>
           <p:cNvSpPr/>
           <p:nvPr>
             <p:ph idx="2" type="sldImg"/>
@@ -859,7 +859,7 @@
       </p:sp>
       <p:sp>
         <p:nvSpPr>
-          <p:cNvPr id="66" name="Google Shape;66;g22a1db60948_0_152:notes"/>
+          <p:cNvPr id="67" name="Google Shape;67;g22a1db60948_0_152:notes"/>
           <p:cNvSpPr txBox="1"/>
           <p:nvPr>
             <p:ph idx="1" type="body"/>
@@ -892,41 +892,15 @@
             </a:pPr>
             <a:r>
               <a:rPr lang="en"/>
-              <a:t>For my capstone project, I ran a single song campaign with a musician that I currently help manage using Chartmetric, Spotify’s ‘Marquee’ tool and Spotify’s ‘Discovery Mode’ tool.n </a:t>
-            </a:r>
-            <a:endParaRPr/>
-          </a:p>
-          <a:p>
-            <a:pPr indent="-298450" lvl="0" marL="457200" rtl="0" algn="l">
-              <a:spcBef>
-                <a:spcPts val="0"/>
-              </a:spcBef>
-              <a:spcAft>
-                <a:spcPts val="0"/>
-              </a:spcAft>
-              <a:buSzPts val="1100"/>
-              <a:buChar char="-"/>
-            </a:pPr>
-            <a:r>
-              <a:rPr lang="en"/>
-              <a:t>My goal was to use data analytics to correctly pitch his single (with the help of Chartmetric), promote his single (with the help of Spotify’s ‘Marquee’ tool) and grow his single (with the help of Spotify’s ‘Discovery Mode’ tool) with the eventual goal of getting the single onto a Spotify editorial playlist. </a:t>
-            </a:r>
-            <a:endParaRPr/>
-          </a:p>
-          <a:p>
-            <a:pPr indent="-298450" lvl="0" marL="457200" rtl="0" algn="l">
-              <a:spcBef>
-                <a:spcPts val="0"/>
-              </a:spcBef>
-              <a:spcAft>
-                <a:spcPts val="0"/>
-              </a:spcAft>
-              <a:buSzPts val="1100"/>
-              <a:buChar char="-"/>
-            </a:pPr>
-            <a:r>
-              <a:rPr lang="en"/>
-              <a:t>After collecting data for exactly 90 days, I’d like to share my results, what worked for me, what didn’t work for me, what I learned and what I can do better next time.</a:t>
+              <a:t>For my capstone project, </a:t>
+            </a:r>
+            <a:r>
+              <a:rPr lang="en">
+                <a:solidFill>
+                  <a:schemeClr val="dk1"/>
+                </a:solidFill>
+              </a:rPr>
+              <a:t> a single song campaign was run with a musician that I currently help manage and broke the campaign down into 3 stages (30 days for each stage and 90 days total) with the eventual goal of getting the single onto a Spotify editorial playlist.</a:t>
             </a:r>
             <a:endParaRPr/>
           </a:p>
@@ -945,7 +919,7 @@
   <p:cSld>
     <p:spTree>
       <p:nvGrpSpPr>
-        <p:cNvPr id="86" name="Shape 86"/>
+        <p:cNvPr id="88" name="Shape 88"/>
         <p:cNvGrpSpPr/>
         <p:nvPr/>
       </p:nvGrpSpPr>
@@ -959,7 +933,7 @@
       </p:grpSpPr>
       <p:sp>
         <p:nvSpPr>
-          <p:cNvPr id="87" name="Google Shape;87;g22a1db60948_0_157:notes"/>
+          <p:cNvPr id="89" name="Google Shape;89;g22a1db60948_0_157:notes"/>
           <p:cNvSpPr/>
           <p:nvPr>
             <p:ph idx="2" type="sldImg"/>
@@ -994,7 +968,7 @@
       </p:sp>
       <p:sp>
         <p:nvSpPr>
-          <p:cNvPr id="88" name="Google Shape;88;g22a1db60948_0_157:notes"/>
+          <p:cNvPr id="90" name="Google Shape;90;g22a1db60948_0_157:notes"/>
           <p:cNvSpPr txBox="1"/>
           <p:nvPr>
             <p:ph idx="1" type="body"/>
@@ -1026,13 +1000,21 @@
               <a:buChar char="-"/>
             </a:pPr>
             <a:r>
-              <a:rPr lang="en"/>
-              <a:t>The first tool that I used was Chartmetric (pre-release and pre-pitch). </a:t>
-            </a:r>
-            <a:endParaRPr/>
-          </a:p>
-          <a:p>
-            <a:pPr indent="-298450" lvl="0" marL="457200" rtl="0" algn="l">
+              <a:rPr lang="en">
+                <a:solidFill>
+                  <a:schemeClr val="dk1"/>
+                </a:solidFill>
+              </a:rPr>
+              <a:t>What is a Spotify editorial playlist and why is this step so important? </a:t>
+            </a:r>
+            <a:endParaRPr>
+              <a:solidFill>
+                <a:schemeClr val="dk1"/>
+              </a:solidFill>
+            </a:endParaRPr>
+          </a:p>
+          <a:p>
+            <a:pPr indent="-298450" lvl="1" marL="914400" rtl="0" algn="l">
               <a:spcBef>
                 <a:spcPts val="0"/>
               </a:spcBef>
@@ -1043,13 +1025,97 @@
               <a:buChar char="-"/>
             </a:pPr>
             <a:r>
+              <a:rPr lang="en">
+                <a:solidFill>
+                  <a:schemeClr val="dk1"/>
+                </a:solidFill>
+              </a:rPr>
+              <a:t>Well, according to Spotify, editorial playlists are playlists that are curated by Spotify's Shows &amp; Editorial team. This is a team of music experts and genre specialists from around the world, hired by Spotify to curate and manage Spotify's own playlists.</a:t>
+            </a:r>
+            <a:endParaRPr>
+              <a:solidFill>
+                <a:schemeClr val="dk1"/>
+              </a:solidFill>
+            </a:endParaRPr>
+          </a:p>
+          <a:p>
+            <a:pPr indent="-298450" lvl="1" marL="914400" rtl="0" algn="l">
+              <a:spcBef>
+                <a:spcPts val="0"/>
+              </a:spcBef>
+              <a:spcAft>
+                <a:spcPts val="0"/>
+              </a:spcAft>
+              <a:buSzPts val="1100"/>
+              <a:buChar char="-"/>
+            </a:pPr>
+            <a:r>
+              <a:rPr lang="en">
+                <a:solidFill>
+                  <a:schemeClr val="dk1"/>
+                </a:solidFill>
+              </a:rPr>
+              <a:t>These playlists can make or break a new artist’s career by the sheer amount of listeners these playlists have. </a:t>
+            </a:r>
+            <a:endParaRPr>
+              <a:solidFill>
+                <a:schemeClr val="dk1"/>
+              </a:solidFill>
+            </a:endParaRPr>
+          </a:p>
+          <a:p>
+            <a:pPr indent="-298450" lvl="1" marL="914400" rtl="0" algn="l">
+              <a:spcBef>
+                <a:spcPts val="0"/>
+              </a:spcBef>
+              <a:spcAft>
+                <a:spcPts val="0"/>
+              </a:spcAft>
+              <a:buSzPts val="1100"/>
+              <a:buChar char="-"/>
+            </a:pPr>
+            <a:r>
+              <a:rPr lang="en">
+                <a:solidFill>
+                  <a:schemeClr val="dk1"/>
+                </a:solidFill>
+              </a:rPr>
+              <a:t>By pitching your artist’s song to Spotify early on (at least 1 month prior to release day), you're giving Spotify’s editors the best chance to listen and playlist your artist’s song. However, you can only pitch your artist’s song to Spotify's Editorial Team pre-release so it's crucial to get the timing correct. </a:t>
+            </a:r>
+            <a:endParaRPr>
+              <a:solidFill>
+                <a:schemeClr val="dk1"/>
+              </a:solidFill>
+            </a:endParaRPr>
+          </a:p>
+          <a:p>
+            <a:pPr indent="-298450" lvl="1" marL="914400" rtl="0" algn="l">
+              <a:spcBef>
+                <a:spcPts val="0"/>
+              </a:spcBef>
+              <a:spcAft>
+                <a:spcPts val="0"/>
+              </a:spcAft>
+              <a:buSzPts val="1100"/>
+              <a:buChar char="-"/>
+            </a:pPr>
+            <a:r>
               <a:rPr lang="en"/>
-              <a:t>Chartmetric is </a:t>
-            </a:r>
-            <a:r>
-              <a:rPr lang="en"/>
-              <a:t>primarily a musical database - </a:t>
-            </a:r>
+              <a:t>The tool that I used for this stage was a database called Chartmetric </a:t>
+            </a:r>
+            <a:endParaRPr/>
+          </a:p>
+          <a:p>
+            <a:pPr indent="-298450" lvl="0" marL="457200" rtl="0" algn="l">
+              <a:spcBef>
+                <a:spcPts val="0"/>
+              </a:spcBef>
+              <a:spcAft>
+                <a:spcPts val="0"/>
+              </a:spcAft>
+              <a:buSzPts val="1100"/>
+              <a:buChar char="-"/>
+            </a:pPr>
             <a:r>
               <a:rPr lang="en"/>
               <a:t>I used it to figure out what micro-genre(s) my artist fell under so that I could figure out the correct playlists to target when pitching my artist’s song to Spotify (suggesting the exact name of the playlist you think the song should be on is highly recommended). </a:t>
@@ -1122,7 +1188,7 @@
   <p:cSld>
     <p:spTree>
       <p:nvGrpSpPr>
-        <p:cNvPr id="95" name="Shape 95"/>
+        <p:cNvPr id="98" name="Shape 98"/>
         <p:cNvGrpSpPr/>
         <p:nvPr/>
       </p:nvGrpSpPr>
@@ -1136,7 +1202,7 @@
       </p:grpSpPr>
       <p:sp>
         <p:nvSpPr>
-          <p:cNvPr id="96" name="Google Shape;96;g22a1db60948_0_162:notes"/>
+          <p:cNvPr id="99" name="Google Shape;99;g22a1db60948_0_162:notes"/>
           <p:cNvSpPr/>
           <p:nvPr>
             <p:ph idx="2" type="sldImg"/>
@@ -1171,7 +1237,7 @@
       </p:sp>
       <p:sp>
         <p:nvSpPr>
-          <p:cNvPr id="97" name="Google Shape;97;g22a1db60948_0_162:notes"/>
+          <p:cNvPr id="100" name="Google Shape;100;g22a1db60948_0_162:notes"/>
           <p:cNvSpPr txBox="1"/>
           <p:nvPr>
             <p:ph idx="1" type="body"/>
@@ -1203,10 +1269,18 @@
               <a:buChar char="-"/>
             </a:pPr>
             <a:r>
-              <a:rPr lang="en"/>
-              <a:t>The second tool that I used is Spotify’s Marquee tool (post-release). </a:t>
-            </a:r>
-            <a:endParaRPr/>
+              <a:rPr lang="en">
+                <a:solidFill>
+                  <a:schemeClr val="dk1"/>
+                </a:solidFill>
+              </a:rPr>
+              <a:t>This second stage was the promotion stage (days 31-60)</a:t>
+            </a:r>
+            <a:endParaRPr>
+              <a:solidFill>
+                <a:schemeClr val="dk1"/>
+              </a:solidFill>
+            </a:endParaRPr>
           </a:p>
           <a:p>
             <a:pPr indent="-298450" lvl="0" marL="457200" rtl="0" algn="l">
@@ -1220,6 +1294,44 @@
               <a:buChar char="-"/>
             </a:pPr>
             <a:r>
+              <a:rPr lang="en">
+                <a:solidFill>
+                  <a:schemeClr val="dk1"/>
+                </a:solidFill>
+              </a:rPr>
+              <a:t>This stage is crucial because according to Spotify, if your artist’s song wasn’t originally picked by an editorial playlist curator prior to release day, the song still has a chance to get picked for an editorial playlist based on the song’s first month performance. Taking this into consideration, precautions were taken to make sure the proper tool was used (recommended by Spotify) to correctly promote the artist’s single during the first month post release.</a:t>
+            </a:r>
+            <a:endParaRPr/>
+          </a:p>
+          <a:p>
+            <a:pPr indent="-298450" lvl="0" marL="457200" rtl="0" algn="l">
+              <a:spcBef>
+                <a:spcPts val="0"/>
+              </a:spcBef>
+              <a:spcAft>
+                <a:spcPts val="0"/>
+              </a:spcAft>
+              <a:buSzPts val="1100"/>
+              <a:buChar char="-"/>
+            </a:pPr>
+            <a:r>
+              <a:rPr lang="en"/>
+              <a:t>The tool used was Spotify’s Marquee tool</a:t>
+            </a:r>
+            <a:endParaRPr/>
+          </a:p>
+          <a:p>
+            <a:pPr indent="-298450" lvl="0" marL="457200" rtl="0" algn="l">
+              <a:spcBef>
+                <a:spcPts val="0"/>
+              </a:spcBef>
+              <a:spcAft>
+                <a:spcPts val="0"/>
+              </a:spcAft>
+              <a:buSzPts val="1100"/>
+              <a:buChar char="-"/>
+            </a:pPr>
+            <a:r>
               <a:rPr lang="en"/>
               <a:t>Spotify’s Marquee tool is a full-screen, sponsored recommendation of an artist’s new release to Spotify Free and Premium listeners who have shown interest in an artist’s music and have the potential to listen more. When a listener clicks on an artist’s Marquee, they are guided to that artist’s new release—and that artist’s release alone. </a:t>
             </a:r>
@@ -1238,12 +1350,16 @@
             </a:pPr>
             <a:r>
               <a:rPr lang="en"/>
-              <a:t>With the goal of promoting my artist’s single, we saw great results from Marquee. </a:t>
+              <a:t>r</a:t>
+            </a:r>
+            <a:r>
+              <a:rPr lang="en"/>
+              <a:t>esults: </a:t>
             </a:r>
             <a:endParaRPr/>
           </a:p>
           <a:p>
-            <a:pPr indent="-298450" lvl="0" marL="457200" rtl="0" algn="l">
+            <a:pPr indent="-298450" lvl="1" marL="914400" rtl="0" algn="l">
               <a:spcBef>
                 <a:spcPts val="0"/>
               </a:spcBef>
@@ -1255,12 +1371,20 @@
             </a:pPr>
             <a:r>
               <a:rPr lang="en"/>
-              <a:t>We reached (people who saw the campaign) 1,712 listeners</a:t>
+              <a:t>1,712 listeners </a:t>
+            </a:r>
+            <a:r>
+              <a:rPr lang="en">
+                <a:solidFill>
+                  <a:schemeClr val="dk1"/>
+                </a:solidFill>
+              </a:rPr>
+              <a:t>saw the campaign</a:t>
             </a:r>
             <a:endParaRPr/>
           </a:p>
           <a:p>
-            <a:pPr indent="-298450" lvl="0" marL="457200" rtl="0" algn="l">
+            <a:pPr indent="-298450" lvl="1" marL="914400" rtl="0" algn="l">
               <a:spcBef>
                 <a:spcPts val="0"/>
               </a:spcBef>
@@ -1272,12 +1396,12 @@
             </a:pPr>
             <a:r>
               <a:rPr lang="en"/>
-              <a:t>had 233 clicks (clicks to the release)</a:t>
+              <a:t>233 people clicked on the release</a:t>
             </a:r>
             <a:endParaRPr/>
           </a:p>
           <a:p>
-            <a:pPr indent="-298450" lvl="0" marL="457200" rtl="0" algn="l">
+            <a:pPr indent="-298450" lvl="1" marL="914400" rtl="0" algn="l">
               <a:spcBef>
                 <a:spcPts val="0"/>
               </a:spcBef>
@@ -1289,12 +1413,12 @@
             </a:pPr>
             <a:r>
               <a:rPr lang="en"/>
-              <a:t>149 converted listeners (people who streamed the release after seeing the campaign)</a:t>
+              <a:t>149 people streamed the release after seeing the campaign</a:t>
             </a:r>
             <a:endParaRPr/>
           </a:p>
           <a:p>
-            <a:pPr indent="-298450" lvl="0" marL="457200" rtl="0" algn="l">
+            <a:pPr indent="-298450" lvl="1" marL="914400" rtl="0" algn="l">
               <a:spcBef>
                 <a:spcPts val="0"/>
               </a:spcBef>
@@ -1306,12 +1430,12 @@
             </a:pPr>
             <a:r>
               <a:rPr lang="en"/>
-              <a:t>an 8.68% conversion rate (percentage of people streamed the release after seeing the campaign)</a:t>
+              <a:t>8.68% of people streamed the release after seeing the campaign</a:t>
             </a:r>
             <a:endParaRPr/>
           </a:p>
           <a:p>
-            <a:pPr indent="-298450" lvl="0" marL="457200" rtl="0" algn="l">
+            <a:pPr indent="-298450" lvl="1" marL="914400" rtl="0" algn="l">
               <a:spcBef>
                 <a:spcPts val="0"/>
               </a:spcBef>
@@ -1323,12 +1447,12 @@
             </a:pPr>
             <a:r>
               <a:rPr lang="en"/>
-              <a:t>8.71 streams / listener (average number of active streams per converted listener who streamed the song after seeing the campaign)</a:t>
+              <a:t>8.71 streams on average per converted listener who streamed the song after seeing the campaign</a:t>
             </a:r>
             <a:endParaRPr/>
           </a:p>
           <a:p>
-            <a:pPr indent="-298450" lvl="0" marL="457200" rtl="0" algn="l">
+            <a:pPr indent="-298450" lvl="1" marL="914400" rtl="0" algn="l">
               <a:spcBef>
                 <a:spcPts val="0"/>
               </a:spcBef>
@@ -1340,12 +1464,12 @@
             </a:pPr>
             <a:r>
               <a:rPr lang="en"/>
-              <a:t>a 39.6% intent rate (number of converted listeners who saved or playlisted the song after streaming)</a:t>
+              <a:t>39.6% of converted listeners who saved or playlisted the song after streaming</a:t>
             </a:r>
             <a:endParaRPr/>
           </a:p>
           <a:p>
-            <a:pPr indent="-298450" lvl="0" marL="457200" rtl="0" algn="l">
+            <a:pPr indent="-298450" lvl="1" marL="914400" rtl="0" algn="l">
               <a:spcBef>
                 <a:spcPts val="0"/>
               </a:spcBef>
@@ -1362,7 +1486,7 @@
             <a:endParaRPr/>
           </a:p>
           <a:p>
-            <a:pPr indent="-298450" lvl="0" marL="457200" rtl="0" algn="l">
+            <a:pPr indent="-298450" lvl="1" marL="914400" rtl="0" algn="l">
               <a:spcBef>
                 <a:spcPts val="0"/>
               </a:spcBef>
@@ -1374,7 +1498,7 @@
             </a:pPr>
             <a:r>
               <a:rPr lang="en"/>
-              <a:t>a 30.2% save rate (number of of converted listeners who saved a track).</a:t>
+              <a:t>30.2% of converted listeners saved the track</a:t>
             </a:r>
             <a:endParaRPr/>
           </a:p>
@@ -1393,7 +1517,7 @@
   <p:cSld>
     <p:spTree>
       <p:nvGrpSpPr>
-        <p:cNvPr id="102" name="Shape 102"/>
+        <p:cNvPr id="106" name="Shape 106"/>
         <p:cNvGrpSpPr/>
         <p:nvPr/>
       </p:nvGrpSpPr>
@@ -1407,7 +1531,7 @@
       </p:grpSpPr>
       <p:sp>
         <p:nvSpPr>
-          <p:cNvPr id="103" name="Google Shape;103;g22a1db60948_0_167:notes"/>
+          <p:cNvPr id="107" name="Google Shape;107;g22a1db60948_0_167:notes"/>
           <p:cNvSpPr/>
           <p:nvPr>
             <p:ph idx="2" type="sldImg"/>
@@ -1442,7 +1566,7 @@
       </p:sp>
       <p:sp>
         <p:nvSpPr>
-          <p:cNvPr id="104" name="Google Shape;104;g22a1db60948_0_167:notes"/>
+          <p:cNvPr id="108" name="Google Shape;108;g22a1db60948_0_167:notes"/>
           <p:cNvSpPr txBox="1"/>
           <p:nvPr>
             <p:ph idx="1" type="body"/>
@@ -1475,7 +1599,7 @@
             </a:pPr>
             <a:r>
               <a:rPr lang="en"/>
-              <a:t>The third and final tool that I used is Spotify’s ‘Discovery Mode’ tool (post-release). </a:t>
+              <a:t>Lastly, the growth stage is pivotal in driving traffic to an artist’s Spotify profile through an artist’s new single. Regardless of whether an artist’s single was selected by a Spotify editorial curator or not, it's important to keep driving traffic to your artist’s single during the second month post release.</a:t>
             </a:r>
             <a:endParaRPr/>
           </a:p>
@@ -1492,7 +1616,11 @@
             </a:pPr>
             <a:r>
               <a:rPr lang="en"/>
-              <a:t>I used ‘Discovery Mode’ for my artist to give his song more algorithmic exposure on Spotify through Spotify Radio and autoplay. </a:t>
+              <a:t>The </a:t>
+            </a:r>
+            <a:r>
+              <a:rPr lang="en"/>
+              <a:t>tool used for the growth stage was Spotify’s ‘Discovery Mode’ tool </a:t>
             </a:r>
             <a:endParaRPr/>
           </a:p>
@@ -1509,7 +1637,7 @@
             </a:pPr>
             <a:r>
               <a:rPr lang="en"/>
-              <a:t>The only caveat being a lower royalty rate (however, I wasn’t too concerned about this for this project)... The results were quite staggering. </a:t>
+              <a:t>‘Discovery Mode’ was used for my artist to give his song more algorithmic exposure on Spotify through Spotify Radio and autoplay. </a:t>
             </a:r>
             <a:endParaRPr/>
           </a:p>
@@ -1526,12 +1654,12 @@
             </a:pPr>
             <a:r>
               <a:rPr lang="en"/>
-              <a:t>Through Discovery Mode, my artist's single gained:</a:t>
+              <a:t>The only caveat being a lower royalty rate (however, I wasn’t too concerned about this for this project)</a:t>
             </a:r>
             <a:endParaRPr/>
           </a:p>
           <a:p>
-            <a:pPr indent="-298450" lvl="1" marL="914400" rtl="0" algn="l">
+            <a:pPr indent="-298450" lvl="0" marL="457200" rtl="0" algn="l">
               <a:spcBef>
                 <a:spcPts val="0"/>
               </a:spcBef>
@@ -1543,7 +1671,11 @@
             </a:pPr>
             <a:r>
               <a:rPr lang="en"/>
-              <a:t>2,091 new listeners</a:t>
+              <a:t>r</a:t>
+            </a:r>
+            <a:r>
+              <a:rPr lang="en"/>
+              <a:t>esults:</a:t>
             </a:r>
             <a:endParaRPr/>
           </a:p>
@@ -1560,7 +1692,7 @@
             </a:pPr>
             <a:r>
               <a:rPr lang="en"/>
-              <a:t>2,967 streams</a:t>
+              <a:t>3,498 new listeners</a:t>
             </a:r>
             <a:endParaRPr/>
           </a:p>
@@ -1577,7 +1709,7 @@
             </a:pPr>
             <a:r>
               <a:rPr lang="en"/>
-              <a:t>25 saves</a:t>
+              <a:t>6,594 streams</a:t>
             </a:r>
             <a:endParaRPr/>
           </a:p>
@@ -1594,7 +1726,7 @@
             </a:pPr>
             <a:r>
               <a:rPr lang="en"/>
-              <a:t>15 playlist adds</a:t>
+              <a:t>44 saves</a:t>
             </a:r>
             <a:endParaRPr/>
           </a:p>
@@ -1611,7 +1743,7 @@
             </a:pPr>
             <a:r>
               <a:rPr lang="en"/>
-              <a:t>155% listener lift</a:t>
+              <a:t>29 playlist adds</a:t>
             </a:r>
             <a:endParaRPr/>
           </a:p>
@@ -1628,7 +1760,24 @@
             </a:pPr>
             <a:r>
               <a:rPr lang="en"/>
-              <a:t>195% stream lift </a:t>
+              <a:t>260% listener lift</a:t>
+            </a:r>
+            <a:endParaRPr/>
+          </a:p>
+          <a:p>
+            <a:pPr indent="-298450" lvl="1" marL="914400" rtl="0" algn="l">
+              <a:spcBef>
+                <a:spcPts val="0"/>
+              </a:spcBef>
+              <a:spcAft>
+                <a:spcPts val="0"/>
+              </a:spcAft>
+              <a:buSzPts val="1100"/>
+              <a:buChar char="-"/>
+            </a:pPr>
+            <a:r>
+              <a:rPr lang="en"/>
+              <a:t>275% stream lift </a:t>
             </a:r>
             <a:endParaRPr/>
           </a:p>
@@ -1664,7 +1813,7 @@
   <p:cSld>
     <p:spTree>
       <p:nvGrpSpPr>
-        <p:cNvPr id="109" name="Shape 109"/>
+        <p:cNvPr id="114" name="Shape 114"/>
         <p:cNvGrpSpPr/>
         <p:nvPr/>
       </p:nvGrpSpPr>
@@ -1678,7 +1827,7 @@
       </p:grpSpPr>
       <p:sp>
         <p:nvSpPr>
-          <p:cNvPr id="110" name="Google Shape;110;g22a1db60948_0_172:notes"/>
+          <p:cNvPr id="115" name="Google Shape;115;g22a1db60948_0_172:notes"/>
           <p:cNvSpPr/>
           <p:nvPr>
             <p:ph idx="2" type="sldImg"/>
@@ -1713,7 +1862,7 @@
       </p:sp>
       <p:sp>
         <p:nvSpPr>
-          <p:cNvPr id="111" name="Google Shape;111;g22a1db60948_0_172:notes"/>
+          <p:cNvPr id="116" name="Google Shape;116;g22a1db60948_0_172:notes"/>
           <p:cNvSpPr txBox="1"/>
           <p:nvPr>
             <p:ph idx="1" type="body"/>
@@ -1746,7 +1895,7 @@
             </a:pPr>
             <a:r>
               <a:rPr lang="en"/>
-              <a:t>In conclusion (as of March 30th), I did not succeed in meeting my ultimate goal of getting my artist’s single onto a Spotify editorial playlist. </a:t>
+              <a:t>In conclusion, I did not succeed in getting the artist’s single onto a Spotify editorial playlist. </a:t>
             </a:r>
             <a:endParaRPr/>
           </a:p>
@@ -1768,7 +1917,7 @@
             <a:endParaRPr/>
           </a:p>
           <a:p>
-            <a:pPr indent="-298450" lvl="0" marL="457200" rtl="0" algn="l">
+            <a:pPr indent="-298450" lvl="1" marL="914400" rtl="0" algn="l">
               <a:spcBef>
                 <a:spcPts val="0"/>
               </a:spcBef>
@@ -1785,7 +1934,7 @@
             <a:endParaRPr/>
           </a:p>
           <a:p>
-            <a:pPr indent="-298450" lvl="0" marL="457200" rtl="0" algn="l">
+            <a:pPr indent="-298450" lvl="1" marL="914400" rtl="0" algn="l">
               <a:spcBef>
                 <a:spcPts val="0"/>
               </a:spcBef>
@@ -1797,7 +1946,7 @@
             </a:pPr>
             <a:r>
               <a:rPr lang="en"/>
-              <a:t>Moreover, I’m competing with artists signed to major labels; the major labels have marketers / managers that personally know the curators of these editorial playlists and get their artist onto them essentially automatically. Therefore, it's close to impossible to get onto one as an independent artist; however, it does happen and that is why I attempted to do so for my artist’s single.</a:t>
+              <a:t>Moreover, I’m competing with artists signed to major labels; the major labels have marketers / managers that personally know the curators of these editorial playlists and get their artist onto them essentially automatically. Therefore, it's close to impossible to get onto one as an independent artist; however, it does happen and that is why this lofty goal was set by myself</a:t>
             </a:r>
             <a:endParaRPr/>
           </a:p>
@@ -1814,7 +1963,7 @@
             </a:pPr>
             <a:r>
               <a:rPr lang="en"/>
-              <a:t>Although I did not succeed at meeting my ultimate goal of getting my artist’s single onto a Spotify editorial playlist, I did succeed at pitching my artist’s song to the right playlist (through researching and parsing through databases like Chartmetric), promoting it to 1,712 new listeners (through Spotify's ‘Marquee’ tool) and growing it by over 2,900 streams (through Spotify’s ‘Discover Mode’ tool). </a:t>
+              <a:t>Although getting my artist’s single onto a Spotify editorial playlist was unsuccessful, driving future traffic to his Spotify profile was successful through pitching my artist’s song to the right playlist (through researching and parsing through databases like Chartmetric), promoting it to 1,712 new listeners (through Spotify's ‘Marquee’ tool) and growing it by over 6,500 streams (through Spotify’s ‘Discover Mode’ tool). </a:t>
             </a:r>
             <a:endParaRPr/>
           </a:p>
@@ -1831,7 +1980,15 @@
             </a:pPr>
             <a:r>
               <a:rPr lang="en"/>
-              <a:t>Not only did I successfully pitch, promote, and grow my artist’s single to the most listeners he’s ever seen before in a 1 month period, but I set him up for downstream growth and increased traffic for future releases. </a:t>
+              <a:t>Not only did I successfully pitch, promote, and grow my artist’s single to the most listeners he’s ever seen before in a 1 month period, but I set him up for downstream </a:t>
+            </a:r>
+            <a:r>
+              <a:rPr lang="en" sz="1200">
+                <a:solidFill>
+                  <a:srgbClr val="202122"/>
+                </a:solidFill>
+              </a:rPr>
+              <a:t>traffic to future releases, merchandise, shows, and stream revenue</a:t>
             </a:r>
             <a:endParaRPr/>
           </a:p>
@@ -1865,7 +2022,7 @@
   <p:cSld>
     <p:spTree>
       <p:nvGrpSpPr>
-        <p:cNvPr id="115" name="Shape 115"/>
+        <p:cNvPr id="121" name="Shape 121"/>
         <p:cNvGrpSpPr/>
         <p:nvPr/>
       </p:nvGrpSpPr>
@@ -1879,7 +2036,7 @@
       </p:grpSpPr>
       <p:sp>
         <p:nvSpPr>
-          <p:cNvPr id="116" name="Google Shape;116;g22a1db60948_0_177:notes"/>
+          <p:cNvPr id="122" name="Google Shape;122;g22a1db60948_0_177:notes"/>
           <p:cNvSpPr/>
           <p:nvPr>
             <p:ph idx="2" type="sldImg"/>
@@ -1914,7 +2071,7 @@
       </p:sp>
       <p:sp>
         <p:nvSpPr>
-          <p:cNvPr id="117" name="Google Shape;117;g22a1db60948_0_177:notes"/>
+          <p:cNvPr id="123" name="Google Shape;123;g22a1db60948_0_177:notes"/>
           <p:cNvSpPr txBox="1"/>
           <p:nvPr>
             <p:ph idx="1" type="body"/>
@@ -6727,7 +6884,7 @@
     <p:sldLayoutId id="2147483657" r:id="rId10"/>
     <p:sldLayoutId id="2147483658" r:id="rId11"/>
   </p:sldLayoutIdLst>
-  <p:hf dt="0" ftr="0" hdr="0" sldNum="0"/>
+  <p:hf dt="0" ftr="0" hdr="0"/>
   <p:txStyles>
     <p:titleStyle>
       <a:defPPr lvl="0" marR="0" rtl="0" algn="l">
@@ -7528,6 +7685,46 @@
           </a:p>
         </p:txBody>
       </p:sp>
+      <p:sp>
+        <p:nvSpPr>
+          <p:cNvPr id="64" name="Google Shape;64;p13"/>
+          <p:cNvSpPr txBox="1"/>
+          <p:nvPr>
+            <p:ph idx="12" type="sldNum"/>
+          </p:nvPr>
+        </p:nvSpPr>
+        <p:spPr>
+          <a:xfrm>
+            <a:off x="8472458" y="4663217"/>
+            <a:ext cx="548700" cy="393600"/>
+          </a:xfrm>
+          <a:prstGeom prst="rect">
+            <a:avLst/>
+          </a:prstGeom>
+        </p:spPr>
+        <p:txBody>
+          <a:bodyPr anchorCtr="0" anchor="ctr" bIns="91425" lIns="91425" spcFirstLastPara="1" rIns="91425" wrap="square" tIns="91425">
+            <a:normAutofit/>
+          </a:bodyPr>
+          <a:lstStyle/>
+          <a:p>
+            <a:pPr indent="0" lvl="0" marL="0" rtl="0" algn="r">
+              <a:spcBef>
+                <a:spcPts val="0"/>
+              </a:spcBef>
+              <a:spcAft>
+                <a:spcPts val="0"/>
+              </a:spcAft>
+              <a:buNone/>
+            </a:pPr>
+            <a:fld id="{00000000-1234-1234-1234-123412341234}" type="slidenum">
+              <a:rPr lang="en"/>
+              <a:t>‹#›</a:t>
+            </a:fld>
+            <a:endParaRPr/>
+          </a:p>
+        </p:txBody>
+      </p:sp>
     </p:spTree>
   </p:cSld>
   <p:clrMapOvr>
@@ -7541,7 +7738,7 @@
   <p:cSld>
     <p:spTree>
       <p:nvGrpSpPr>
-        <p:cNvPr id="67" name="Shape 67"/>
+        <p:cNvPr id="68" name="Shape 68"/>
         <p:cNvGrpSpPr/>
         <p:nvPr/>
       </p:nvGrpSpPr>
@@ -7555,7 +7752,7 @@
       </p:grpSpPr>
       <p:sp>
         <p:nvSpPr>
-          <p:cNvPr id="68" name="Google Shape;68;p14"/>
+          <p:cNvPr id="69" name="Google Shape;69;p14"/>
           <p:cNvSpPr/>
           <p:nvPr/>
         </p:nvSpPr>
@@ -7607,31 +7804,7 @@
                 <a:cs typeface="Oswald"/>
                 <a:sym typeface="Oswald"/>
               </a:rPr>
-              <a:t>Pitch Stage (</a:t>
-            </a:r>
-            <a:r>
-              <a:rPr b="1" lang="en">
-                <a:solidFill>
-                  <a:srgbClr val="FFFFFF"/>
-                </a:solidFill>
-                <a:latin typeface="Oswald"/>
-                <a:ea typeface="Oswald"/>
-                <a:cs typeface="Oswald"/>
-                <a:sym typeface="Oswald"/>
-              </a:rPr>
-              <a:t>Chartmetric</a:t>
-            </a:r>
-            <a:r>
-              <a:rPr b="1" lang="en">
-                <a:solidFill>
-                  <a:srgbClr val="FFFFFF"/>
-                </a:solidFill>
-                <a:latin typeface="Oswald"/>
-                <a:ea typeface="Oswald"/>
-                <a:cs typeface="Oswald"/>
-                <a:sym typeface="Oswald"/>
-              </a:rPr>
-              <a:t>)</a:t>
+              <a:t>Pitch Stage</a:t>
             </a:r>
             <a:endParaRPr b="1">
               <a:solidFill>
@@ -7647,7 +7820,7 @@
       </p:sp>
       <p:sp>
         <p:nvSpPr>
-          <p:cNvPr id="69" name="Google Shape;69;p14"/>
+          <p:cNvPr id="70" name="Google Shape;70;p14"/>
           <p:cNvSpPr/>
           <p:nvPr/>
         </p:nvSpPr>
@@ -7699,19 +7872,7 @@
                 <a:cs typeface="Oswald"/>
                 <a:sym typeface="Oswald"/>
               </a:rPr>
-              <a:t>Promotion Stage (</a:t>
-            </a:r>
-            <a:r>
-              <a:rPr b="1" lang="en">
-                <a:solidFill>
-                  <a:srgbClr val="FFFFFF"/>
-                </a:solidFill>
-                <a:latin typeface="Oswald"/>
-                <a:ea typeface="Oswald"/>
-                <a:cs typeface="Oswald"/>
-                <a:sym typeface="Oswald"/>
-              </a:rPr>
-              <a:t>Spotify’s Marquee Tool)</a:t>
+              <a:t>Promotion Stage</a:t>
             </a:r>
             <a:endParaRPr b="1">
               <a:solidFill>
@@ -7727,7 +7888,7 @@
       </p:sp>
       <p:sp>
         <p:nvSpPr>
-          <p:cNvPr id="70" name="Google Shape;70;p14"/>
+          <p:cNvPr id="71" name="Google Shape;71;p14"/>
           <p:cNvSpPr/>
           <p:nvPr/>
         </p:nvSpPr>
@@ -7779,7 +7940,7 @@
                 <a:cs typeface="Oswald"/>
                 <a:sym typeface="Oswald"/>
               </a:rPr>
-              <a:t>Growth Stage (Spotify’s ‘Discovery Mode’ Tool)</a:t>
+              <a:t>Growth Stage</a:t>
             </a:r>
             <a:endParaRPr b="1">
               <a:solidFill>
@@ -7795,7 +7956,7 @@
       </p:sp>
       <p:sp>
         <p:nvSpPr>
-          <p:cNvPr id="71" name="Google Shape;71;p14"/>
+          <p:cNvPr id="72" name="Google Shape;72;p14"/>
           <p:cNvSpPr/>
           <p:nvPr/>
         </p:nvSpPr>
@@ -7845,7 +8006,7 @@
       </p:sp>
       <p:sp>
         <p:nvSpPr>
-          <p:cNvPr id="72" name="Google Shape;72;p14"/>
+          <p:cNvPr id="73" name="Google Shape;73;p14"/>
           <p:cNvSpPr/>
           <p:nvPr/>
         </p:nvSpPr>
@@ -7895,7 +8056,7 @@
       </p:sp>
       <p:sp>
         <p:nvSpPr>
-          <p:cNvPr id="73" name="Google Shape;73;p14"/>
+          <p:cNvPr id="74" name="Google Shape;74;p14"/>
           <p:cNvSpPr txBox="1"/>
           <p:nvPr/>
         </p:nvSpPr>
@@ -7947,7 +8108,7 @@
       </p:sp>
       <p:sp>
         <p:nvSpPr>
-          <p:cNvPr id="74" name="Google Shape;74;p14"/>
+          <p:cNvPr id="75" name="Google Shape;75;p14"/>
           <p:cNvSpPr txBox="1"/>
           <p:nvPr/>
         </p:nvSpPr>
@@ -7999,7 +8160,7 @@
       </p:sp>
       <p:sp>
         <p:nvSpPr>
-          <p:cNvPr id="75" name="Google Shape;75;p14"/>
+          <p:cNvPr id="76" name="Google Shape;76;p14"/>
           <p:cNvSpPr/>
           <p:nvPr/>
         </p:nvSpPr>
@@ -8049,7 +8210,7 @@
       </p:sp>
       <p:sp>
         <p:nvSpPr>
-          <p:cNvPr id="76" name="Google Shape;76;p14"/>
+          <p:cNvPr id="77" name="Google Shape;77;p14"/>
           <p:cNvSpPr/>
           <p:nvPr/>
         </p:nvSpPr>
@@ -8102,7 +8263,7 @@
       </p:sp>
       <p:sp>
         <p:nvSpPr>
-          <p:cNvPr id="77" name="Google Shape;77;p14"/>
+          <p:cNvPr id="78" name="Google Shape;78;p14"/>
           <p:cNvSpPr txBox="1"/>
           <p:nvPr/>
         </p:nvSpPr>
@@ -8154,7 +8315,7 @@
       </p:sp>
       <p:sp>
         <p:nvSpPr>
-          <p:cNvPr id="78" name="Google Shape;78;p14"/>
+          <p:cNvPr id="79" name="Google Shape;79;p14"/>
           <p:cNvSpPr txBox="1"/>
           <p:nvPr/>
         </p:nvSpPr>
@@ -8206,7 +8367,7 @@
       </p:sp>
       <p:sp>
         <p:nvSpPr>
-          <p:cNvPr id="79" name="Google Shape;79;p14"/>
+          <p:cNvPr id="80" name="Google Shape;80;p14"/>
           <p:cNvSpPr/>
           <p:nvPr/>
         </p:nvSpPr>
@@ -8256,7 +8417,7 @@
       </p:sp>
       <p:sp>
         <p:nvSpPr>
-          <p:cNvPr id="80" name="Google Shape;80;p14"/>
+          <p:cNvPr id="81" name="Google Shape;81;p14"/>
           <p:cNvSpPr txBox="1"/>
           <p:nvPr/>
         </p:nvSpPr>
@@ -8308,7 +8469,7 @@
       </p:sp>
       <p:sp>
         <p:nvSpPr>
-          <p:cNvPr id="81" name="Google Shape;81;p14"/>
+          <p:cNvPr id="82" name="Google Shape;82;p14"/>
           <p:cNvSpPr/>
           <p:nvPr/>
         </p:nvSpPr>
@@ -8358,7 +8519,7 @@
       </p:sp>
       <p:sp>
         <p:nvSpPr>
-          <p:cNvPr id="82" name="Google Shape;82;p14"/>
+          <p:cNvPr id="83" name="Google Shape;83;p14"/>
           <p:cNvSpPr txBox="1"/>
           <p:nvPr/>
         </p:nvSpPr>
@@ -8410,7 +8571,7 @@
       </p:sp>
       <p:pic>
         <p:nvPicPr>
-          <p:cNvPr id="83" name="Google Shape;83;p14"/>
+          <p:cNvPr id="84" name="Google Shape;84;p14"/>
           <p:cNvPicPr preferRelativeResize="0"/>
           <p:nvPr/>
         </p:nvPicPr>
@@ -8438,7 +8599,7 @@
       </p:pic>
       <p:pic>
         <p:nvPicPr>
-          <p:cNvPr id="84" name="Google Shape;84;p14"/>
+          <p:cNvPr id="85" name="Google Shape;85;p14"/>
           <p:cNvPicPr preferRelativeResize="0"/>
           <p:nvPr/>
         </p:nvPicPr>
@@ -8466,7 +8627,7 @@
       </p:pic>
       <p:pic>
         <p:nvPicPr>
-          <p:cNvPr id="85" name="Google Shape;85;p14"/>
+          <p:cNvPr id="86" name="Google Shape;86;p14"/>
           <p:cNvPicPr preferRelativeResize="0"/>
           <p:nvPr/>
         </p:nvPicPr>
@@ -8492,6 +8653,46 @@
           </a:ln>
         </p:spPr>
       </p:pic>
+      <p:sp>
+        <p:nvSpPr>
+          <p:cNvPr id="87" name="Google Shape;87;p14"/>
+          <p:cNvSpPr txBox="1"/>
+          <p:nvPr>
+            <p:ph idx="12" type="sldNum"/>
+          </p:nvPr>
+        </p:nvSpPr>
+        <p:spPr>
+          <a:xfrm>
+            <a:off x="8472458" y="4663217"/>
+            <a:ext cx="548700" cy="393600"/>
+          </a:xfrm>
+          <a:prstGeom prst="rect">
+            <a:avLst/>
+          </a:prstGeom>
+        </p:spPr>
+        <p:txBody>
+          <a:bodyPr anchorCtr="0" anchor="ctr" bIns="91425" lIns="91425" spcFirstLastPara="1" rIns="91425" wrap="square" tIns="91425">
+            <a:normAutofit/>
+          </a:bodyPr>
+          <a:lstStyle/>
+          <a:p>
+            <a:pPr indent="0" lvl="0" marL="0" rtl="0" algn="r">
+              <a:spcBef>
+                <a:spcPts val="0"/>
+              </a:spcBef>
+              <a:spcAft>
+                <a:spcPts val="0"/>
+              </a:spcAft>
+              <a:buNone/>
+            </a:pPr>
+            <a:fld id="{00000000-1234-1234-1234-123412341234}" type="slidenum">
+              <a:rPr lang="en"/>
+              <a:t>‹#›</a:t>
+            </a:fld>
+            <a:endParaRPr/>
+          </a:p>
+        </p:txBody>
+      </p:sp>
     </p:spTree>
   </p:cSld>
   <p:clrMapOvr>
@@ -8505,7 +8706,7 @@
   <p:cSld>
     <p:spTree>
       <p:nvGrpSpPr>
-        <p:cNvPr id="89" name="Shape 89"/>
+        <p:cNvPr id="91" name="Shape 91"/>
         <p:cNvGrpSpPr/>
         <p:nvPr/>
       </p:nvGrpSpPr>
@@ -8519,7 +8720,7 @@
       </p:grpSpPr>
       <p:sp>
         <p:nvSpPr>
-          <p:cNvPr id="90" name="Google Shape;90;p15"/>
+          <p:cNvPr id="92" name="Google Shape;92;p15"/>
           <p:cNvSpPr txBox="1"/>
           <p:nvPr>
             <p:ph type="title"/>
@@ -8555,7 +8756,7 @@
                   <a:srgbClr val="000000"/>
                 </a:solidFill>
               </a:rPr>
-              <a:t>Chartmetric (Pitch Stage)</a:t>
+              <a:t>Stage 1 - Pitch Stage (Days 0-30)</a:t>
             </a:r>
             <a:endParaRPr>
               <a:solidFill>
@@ -8567,7 +8768,7 @@
       </p:sp>
       <p:sp>
         <p:nvSpPr>
-          <p:cNvPr id="91" name="Google Shape;91;p15"/>
+          <p:cNvPr id="93" name="Google Shape;93;p15"/>
           <p:cNvSpPr txBox="1"/>
           <p:nvPr>
             <p:ph idx="1" type="body"/>
@@ -8788,7 +8989,7 @@
       </p:sp>
       <p:pic>
         <p:nvPicPr>
-          <p:cNvPr id="92" name="Google Shape;92;p15"/>
+          <p:cNvPr id="94" name="Google Shape;94;p15"/>
           <p:cNvPicPr preferRelativeResize="0"/>
           <p:nvPr/>
         </p:nvPicPr>
@@ -8816,7 +9017,7 @@
       </p:pic>
       <p:pic>
         <p:nvPicPr>
-          <p:cNvPr id="93" name="Google Shape;93;p15"/>
+          <p:cNvPr id="95" name="Google Shape;95;p15"/>
           <p:cNvPicPr preferRelativeResize="0"/>
           <p:nvPr/>
         </p:nvPicPr>
@@ -8844,7 +9045,7 @@
       </p:pic>
       <p:pic>
         <p:nvPicPr>
-          <p:cNvPr id="94" name="Google Shape;94;p15"/>
+          <p:cNvPr id="96" name="Google Shape;96;p15"/>
           <p:cNvPicPr preferRelativeResize="0"/>
           <p:nvPr/>
         </p:nvPicPr>
@@ -8870,6 +9071,46 @@
           </a:ln>
         </p:spPr>
       </p:pic>
+      <p:sp>
+        <p:nvSpPr>
+          <p:cNvPr id="97" name="Google Shape;97;p15"/>
+          <p:cNvSpPr txBox="1"/>
+          <p:nvPr>
+            <p:ph idx="12" type="sldNum"/>
+          </p:nvPr>
+        </p:nvSpPr>
+        <p:spPr>
+          <a:xfrm>
+            <a:off x="8472458" y="4663217"/>
+            <a:ext cx="548700" cy="393600"/>
+          </a:xfrm>
+          <a:prstGeom prst="rect">
+            <a:avLst/>
+          </a:prstGeom>
+        </p:spPr>
+        <p:txBody>
+          <a:bodyPr anchorCtr="0" anchor="ctr" bIns="91425" lIns="91425" spcFirstLastPara="1" rIns="91425" wrap="square" tIns="91425">
+            <a:normAutofit/>
+          </a:bodyPr>
+          <a:lstStyle/>
+          <a:p>
+            <a:pPr indent="0" lvl="0" marL="0" rtl="0" algn="r">
+              <a:spcBef>
+                <a:spcPts val="0"/>
+              </a:spcBef>
+              <a:spcAft>
+                <a:spcPts val="0"/>
+              </a:spcAft>
+              <a:buNone/>
+            </a:pPr>
+            <a:fld id="{00000000-1234-1234-1234-123412341234}" type="slidenum">
+              <a:rPr lang="en"/>
+              <a:t>‹#›</a:t>
+            </a:fld>
+            <a:endParaRPr/>
+          </a:p>
+        </p:txBody>
+      </p:sp>
     </p:spTree>
   </p:cSld>
   <p:clrMapOvr>
@@ -8883,7 +9124,7 @@
   <p:cSld>
     <p:spTree>
       <p:nvGrpSpPr>
-        <p:cNvPr id="98" name="Shape 98"/>
+        <p:cNvPr id="101" name="Shape 101"/>
         <p:cNvGrpSpPr/>
         <p:nvPr/>
       </p:nvGrpSpPr>
@@ -8897,7 +9138,7 @@
       </p:grpSpPr>
       <p:sp>
         <p:nvSpPr>
-          <p:cNvPr id="99" name="Google Shape;99;p16"/>
+          <p:cNvPr id="102" name="Google Shape;102;p16"/>
           <p:cNvSpPr txBox="1"/>
           <p:nvPr>
             <p:ph type="title"/>
@@ -8933,7 +9174,7 @@
                   <a:srgbClr val="000000"/>
                 </a:solidFill>
               </a:rPr>
-              <a:t>Spotify’s ‘Marquee’ Tool (Promotion Stage)</a:t>
+              <a:t>Stage 2 - Promotion Stage (Days 31-60)</a:t>
             </a:r>
             <a:endParaRPr>
               <a:solidFill>
@@ -8945,7 +9186,7 @@
       </p:sp>
       <p:sp>
         <p:nvSpPr>
-          <p:cNvPr id="100" name="Google Shape;100;p16"/>
+          <p:cNvPr id="103" name="Google Shape;103;p16"/>
           <p:cNvSpPr txBox="1"/>
           <p:nvPr>
             <p:ph idx="1" type="body"/>
@@ -9033,7 +9274,7 @@
                 <a:cs typeface="Oswald"/>
                 <a:sym typeface="Oswald"/>
               </a:rPr>
-              <a:t>We reached (people who saw the campaign) </a:t>
+              <a:t>Reached (people who saw the campaign) </a:t>
             </a:r>
             <a:r>
               <a:rPr b="1" lang="en" sz="1600">
@@ -9076,18 +9317,6 @@
               <a:buChar char="-"/>
             </a:pPr>
             <a:r>
-              <a:rPr lang="en" sz="1600">
-                <a:solidFill>
-                  <a:srgbClr val="000000"/>
-                </a:solidFill>
-                <a:latin typeface="Oswald"/>
-                <a:ea typeface="Oswald"/>
-                <a:cs typeface="Oswald"/>
-                <a:sym typeface="Oswald"/>
-              </a:rPr>
-              <a:t>had </a:t>
-            </a:r>
-            <a:r>
               <a:rPr b="1" lang="en" sz="1600">
                 <a:solidFill>
                   <a:srgbClr val="000000"/>
@@ -9192,18 +9421,6 @@
               <a:buChar char="-"/>
             </a:pPr>
             <a:r>
-              <a:rPr lang="en" sz="1600">
-                <a:solidFill>
-                  <a:srgbClr val="000000"/>
-                </a:solidFill>
-                <a:latin typeface="Oswald"/>
-                <a:ea typeface="Oswald"/>
-                <a:cs typeface="Oswald"/>
-                <a:sym typeface="Oswald"/>
-              </a:rPr>
-              <a:t>an </a:t>
-            </a:r>
-            <a:r>
               <a:rPr b="1" lang="en" sz="1600">
                 <a:solidFill>
                   <a:srgbClr val="000000"/>
@@ -9308,18 +9525,6 @@
               <a:buChar char="-"/>
             </a:pPr>
             <a:r>
-              <a:rPr lang="en" sz="1600">
-                <a:solidFill>
-                  <a:srgbClr val="000000"/>
-                </a:solidFill>
-                <a:latin typeface="Oswald"/>
-                <a:ea typeface="Oswald"/>
-                <a:cs typeface="Oswald"/>
-                <a:sym typeface="Oswald"/>
-              </a:rPr>
-              <a:t>a </a:t>
-            </a:r>
-            <a:r>
               <a:rPr b="1" lang="en" sz="1600">
                 <a:solidFill>
                   <a:srgbClr val="000000"/>
@@ -9424,18 +9629,6 @@
               <a:buChar char="-"/>
             </a:pPr>
             <a:r>
-              <a:rPr lang="en" sz="1600">
-                <a:solidFill>
-                  <a:srgbClr val="000000"/>
-                </a:solidFill>
-                <a:latin typeface="Oswald"/>
-                <a:ea typeface="Oswald"/>
-                <a:cs typeface="Oswald"/>
-                <a:sym typeface="Oswald"/>
-              </a:rPr>
-              <a:t>a </a:t>
-            </a:r>
-            <a:r>
               <a:rPr b="1" lang="en" sz="1600">
                 <a:solidFill>
                   <a:srgbClr val="000000"/>
@@ -9473,7 +9666,7 @@
       </p:sp>
       <p:pic>
         <p:nvPicPr>
-          <p:cNvPr id="101" name="Google Shape;101;p16"/>
+          <p:cNvPr id="104" name="Google Shape;104;p16"/>
           <p:cNvPicPr preferRelativeResize="0"/>
           <p:nvPr/>
         </p:nvPicPr>
@@ -9499,6 +9692,46 @@
           </a:ln>
         </p:spPr>
       </p:pic>
+      <p:sp>
+        <p:nvSpPr>
+          <p:cNvPr id="105" name="Google Shape;105;p16"/>
+          <p:cNvSpPr txBox="1"/>
+          <p:nvPr>
+            <p:ph idx="12" type="sldNum"/>
+          </p:nvPr>
+        </p:nvSpPr>
+        <p:spPr>
+          <a:xfrm>
+            <a:off x="8472458" y="4663217"/>
+            <a:ext cx="548700" cy="393600"/>
+          </a:xfrm>
+          <a:prstGeom prst="rect">
+            <a:avLst/>
+          </a:prstGeom>
+        </p:spPr>
+        <p:txBody>
+          <a:bodyPr anchorCtr="0" anchor="ctr" bIns="91425" lIns="91425" spcFirstLastPara="1" rIns="91425" wrap="square" tIns="91425">
+            <a:normAutofit/>
+          </a:bodyPr>
+          <a:lstStyle/>
+          <a:p>
+            <a:pPr indent="0" lvl="0" marL="0" rtl="0" algn="r">
+              <a:spcBef>
+                <a:spcPts val="0"/>
+              </a:spcBef>
+              <a:spcAft>
+                <a:spcPts val="0"/>
+              </a:spcAft>
+              <a:buNone/>
+            </a:pPr>
+            <a:fld id="{00000000-1234-1234-1234-123412341234}" type="slidenum">
+              <a:rPr lang="en"/>
+              <a:t>‹#›</a:t>
+            </a:fld>
+            <a:endParaRPr/>
+          </a:p>
+        </p:txBody>
+      </p:sp>
     </p:spTree>
   </p:cSld>
   <p:clrMapOvr>
@@ -9512,7 +9745,7 @@
   <p:cSld>
     <p:spTree>
       <p:nvGrpSpPr>
-        <p:cNvPr id="105" name="Shape 105"/>
+        <p:cNvPr id="109" name="Shape 109"/>
         <p:cNvGrpSpPr/>
         <p:nvPr/>
       </p:nvGrpSpPr>
@@ -9526,7 +9759,7 @@
       </p:grpSpPr>
       <p:sp>
         <p:nvSpPr>
-          <p:cNvPr id="106" name="Google Shape;106;p17"/>
+          <p:cNvPr id="110" name="Google Shape;110;p17"/>
           <p:cNvSpPr txBox="1"/>
           <p:nvPr>
             <p:ph type="title"/>
@@ -9562,7 +9795,7 @@
                   <a:srgbClr val="000000"/>
                 </a:solidFill>
               </a:rPr>
-              <a:t>Spotify’s ‘Discovery Mode’ Tool (Growth Stage)</a:t>
+              <a:t>Stage 3 - Growth Stage (Days 61-90)</a:t>
             </a:r>
             <a:endParaRPr>
               <a:solidFill>
@@ -9574,7 +9807,7 @@
       </p:sp>
       <p:sp>
         <p:nvSpPr>
-          <p:cNvPr id="107" name="Google Shape;107;p17"/>
+          <p:cNvPr id="111" name="Google Shape;111;p17"/>
           <p:cNvSpPr txBox="1"/>
           <p:nvPr>
             <p:ph idx="1" type="body"/>
@@ -9742,7 +9975,7 @@
                 <a:cs typeface="Oswald"/>
                 <a:sym typeface="Oswald"/>
               </a:rPr>
-              <a:t>Through Discovery Mode, my artist's single gained:</a:t>
+              <a:t>Through Discovery Mode, the artist's single gained:</a:t>
             </a:r>
             <a:endParaRPr sz="1600">
               <a:solidFill>
@@ -9782,7 +10015,7 @@
                 <a:cs typeface="Oswald"/>
                 <a:sym typeface="Oswald"/>
               </a:rPr>
-              <a:t>2,091 new listeners</a:t>
+              <a:t>3,498 new listeners</a:t>
             </a:r>
             <a:endParaRPr b="1" sz="1600">
               <a:solidFill>
@@ -9822,7 +10055,7 @@
                 <a:cs typeface="Oswald"/>
                 <a:sym typeface="Oswald"/>
               </a:rPr>
-              <a:t>2,967 streams</a:t>
+              <a:t>6,594 streams</a:t>
             </a:r>
             <a:endParaRPr b="1" sz="1600">
               <a:solidFill>
@@ -9862,7 +10095,7 @@
                 <a:cs typeface="Oswald"/>
                 <a:sym typeface="Oswald"/>
               </a:rPr>
-              <a:t>25 saves</a:t>
+              <a:t>44 saves</a:t>
             </a:r>
             <a:endParaRPr b="1" sz="1600">
               <a:solidFill>
@@ -9902,7 +10135,7 @@
                 <a:cs typeface="Oswald"/>
                 <a:sym typeface="Oswald"/>
               </a:rPr>
-              <a:t>15 playlist adds</a:t>
+              <a:t>29 playlist adds</a:t>
             </a:r>
             <a:endParaRPr b="1" sz="1600">
               <a:solidFill>
@@ -9942,7 +10175,7 @@
                 <a:cs typeface="Oswald"/>
                 <a:sym typeface="Oswald"/>
               </a:rPr>
-              <a:t>155% listener lift</a:t>
+              <a:t>260% listener lift</a:t>
             </a:r>
             <a:endParaRPr b="1" sz="1600">
               <a:solidFill>
@@ -9982,7 +10215,7 @@
                 <a:cs typeface="Oswald"/>
                 <a:sym typeface="Oswald"/>
               </a:rPr>
-              <a:t>195% stream lift </a:t>
+              <a:t>275% stream lift </a:t>
             </a:r>
             <a:endParaRPr b="1" sz="1600">
               <a:solidFill>
@@ -10058,7 +10291,7 @@
       </p:sp>
       <p:pic>
         <p:nvPicPr>
-          <p:cNvPr id="108" name="Google Shape;108;p17"/>
+          <p:cNvPr id="112" name="Google Shape;112;p17"/>
           <p:cNvPicPr preferRelativeResize="0"/>
           <p:nvPr/>
         </p:nvPicPr>
@@ -10084,6 +10317,46 @@
           </a:ln>
         </p:spPr>
       </p:pic>
+      <p:sp>
+        <p:nvSpPr>
+          <p:cNvPr id="113" name="Google Shape;113;p17"/>
+          <p:cNvSpPr txBox="1"/>
+          <p:nvPr>
+            <p:ph idx="12" type="sldNum"/>
+          </p:nvPr>
+        </p:nvSpPr>
+        <p:spPr>
+          <a:xfrm>
+            <a:off x="8472458" y="4663217"/>
+            <a:ext cx="548700" cy="393600"/>
+          </a:xfrm>
+          <a:prstGeom prst="rect">
+            <a:avLst/>
+          </a:prstGeom>
+        </p:spPr>
+        <p:txBody>
+          <a:bodyPr anchorCtr="0" anchor="ctr" bIns="91425" lIns="91425" spcFirstLastPara="1" rIns="91425" wrap="square" tIns="91425">
+            <a:normAutofit/>
+          </a:bodyPr>
+          <a:lstStyle/>
+          <a:p>
+            <a:pPr indent="0" lvl="0" marL="0" rtl="0" algn="r">
+              <a:spcBef>
+                <a:spcPts val="0"/>
+              </a:spcBef>
+              <a:spcAft>
+                <a:spcPts val="0"/>
+              </a:spcAft>
+              <a:buNone/>
+            </a:pPr>
+            <a:fld id="{00000000-1234-1234-1234-123412341234}" type="slidenum">
+              <a:rPr lang="en"/>
+              <a:t>‹#›</a:t>
+            </a:fld>
+            <a:endParaRPr/>
+          </a:p>
+        </p:txBody>
+      </p:sp>
     </p:spTree>
   </p:cSld>
   <p:clrMapOvr>
@@ -10097,7 +10370,7 @@
   <p:cSld>
     <p:spTree>
       <p:nvGrpSpPr>
-        <p:cNvPr id="112" name="Shape 112"/>
+        <p:cNvPr id="117" name="Shape 117"/>
         <p:cNvGrpSpPr/>
         <p:nvPr/>
       </p:nvGrpSpPr>
@@ -10111,7 +10384,7 @@
       </p:grpSpPr>
       <p:sp>
         <p:nvSpPr>
-          <p:cNvPr id="113" name="Google Shape;113;p18"/>
+          <p:cNvPr id="118" name="Google Shape;118;p18"/>
           <p:cNvSpPr txBox="1"/>
           <p:nvPr>
             <p:ph type="title"/>
@@ -10167,7 +10440,7 @@
       </p:sp>
       <p:sp>
         <p:nvSpPr>
-          <p:cNvPr id="114" name="Google Shape;114;p18"/>
+          <p:cNvPr id="119" name="Google Shape;119;p18"/>
           <p:cNvSpPr txBox="1"/>
           <p:nvPr>
             <p:ph idx="1" type="body"/>
@@ -10215,7 +10488,7 @@
                 <a:cs typeface="Oswald"/>
                 <a:sym typeface="Oswald"/>
               </a:rPr>
-              <a:t>In conclusion (as of March 30th), I did not succeed in meeting my ultimate goal of getting my artist’s single onto a Spotify editorial playlist. </a:t>
+              <a:t>In conclusion, I did not succeed in getting the artist’s single onto a Spotify editorial playlist. </a:t>
             </a:r>
             <a:endParaRPr sz="1600">
               <a:solidFill>
@@ -10375,7 +10648,31 @@
                 <a:cs typeface="Oswald"/>
                 <a:sym typeface="Oswald"/>
               </a:rPr>
-              <a:t>Although I did not succeed at meeting my ultimate goal of getting my artist’s single onto a Spotify editorial playlist, I did succeed at pitching my artist’s song to the right playlist (through researching and parsing through databases like Chartmetric), promoting it to </a:t>
+              <a:t>Although getting the artist’s single onto a Spotify editorial playlist was unsuccessful, driving future traffic to the artist’s Spotify </a:t>
+            </a:r>
+            <a:r>
+              <a:rPr lang="en" sz="1600">
+                <a:solidFill>
+                  <a:srgbClr val="000000"/>
+                </a:solidFill>
+                <a:latin typeface="Oswald"/>
+                <a:ea typeface="Oswald"/>
+                <a:cs typeface="Oswald"/>
+                <a:sym typeface="Oswald"/>
+              </a:rPr>
+              <a:t>profile</a:t>
+            </a:r>
+            <a:r>
+              <a:rPr lang="en" sz="1600">
+                <a:solidFill>
+                  <a:srgbClr val="000000"/>
+                </a:solidFill>
+                <a:latin typeface="Oswald"/>
+                <a:ea typeface="Oswald"/>
+                <a:cs typeface="Oswald"/>
+                <a:sym typeface="Oswald"/>
+              </a:rPr>
+              <a:t> was successful; by pitching the artist’s song to the right playlist (through researching and parsing through databases like Chartmetric), promoting it to </a:t>
             </a:r>
             <a:r>
               <a:rPr b="1" lang="en" sz="1600">
@@ -10411,7 +10708,7 @@
                 <a:cs typeface="Oswald"/>
                 <a:sym typeface="Oswald"/>
               </a:rPr>
-              <a:t>2,900 streams</a:t>
+              <a:t>6,500 streams</a:t>
             </a:r>
             <a:r>
               <a:rPr lang="en" sz="1600">
@@ -10463,7 +10760,7 @@
                 <a:cs typeface="Oswald"/>
                 <a:sym typeface="Oswald"/>
               </a:rPr>
-              <a:t>I also set him up for downstream growth and increased traffic for future releases. </a:t>
+              <a:t>I also set the artist up for downstream traffic to that artist’s upcoming gigs, merchandise, future releases and stream revenue</a:t>
             </a:r>
             <a:endParaRPr sz="1600">
               <a:solidFill>
@@ -10481,7 +10778,7 @@
                 <a:spcPts val="1200"/>
               </a:spcBef>
               <a:spcAft>
-                <a:spcPts val="0"/>
+                <a:spcPts val="1200"/>
               </a:spcAft>
               <a:buNone/>
             </a:pPr>
@@ -10490,19 +10787,44 @@
             </a:r>
             <a:endParaRPr/>
           </a:p>
-          <a:p>
-            <a:pPr indent="0" lvl="0" marL="0" rtl="0" algn="l">
-              <a:spcBef>
-                <a:spcPts val="1200"/>
-              </a:spcBef>
-              <a:spcAft>
-                <a:spcPts val="1200"/>
-              </a:spcAft>
-              <a:buNone/>
-            </a:pPr>
-            <a:r>
-              <a:t/>
-            </a:r>
+        </p:txBody>
+      </p:sp>
+      <p:sp>
+        <p:nvSpPr>
+          <p:cNvPr id="120" name="Google Shape;120;p18"/>
+          <p:cNvSpPr txBox="1"/>
+          <p:nvPr>
+            <p:ph idx="12" type="sldNum"/>
+          </p:nvPr>
+        </p:nvSpPr>
+        <p:spPr>
+          <a:xfrm>
+            <a:off x="8472458" y="4663217"/>
+            <a:ext cx="548700" cy="393600"/>
+          </a:xfrm>
+          <a:prstGeom prst="rect">
+            <a:avLst/>
+          </a:prstGeom>
+        </p:spPr>
+        <p:txBody>
+          <a:bodyPr anchorCtr="0" anchor="ctr" bIns="91425" lIns="91425" spcFirstLastPara="1" rIns="91425" wrap="square" tIns="91425">
+            <a:normAutofit/>
+          </a:bodyPr>
+          <a:lstStyle/>
+          <a:p>
+            <a:pPr indent="0" lvl="0" marL="0" rtl="0" algn="r">
+              <a:spcBef>
+                <a:spcPts val="0"/>
+              </a:spcBef>
+              <a:spcAft>
+                <a:spcPts val="0"/>
+              </a:spcAft>
+              <a:buNone/>
+            </a:pPr>
+            <a:fld id="{00000000-1234-1234-1234-123412341234}" type="slidenum">
+              <a:rPr lang="en"/>
+              <a:t>‹#›</a:t>
+            </a:fld>
             <a:endParaRPr/>
           </a:p>
         </p:txBody>
@@ -10520,7 +10842,7 @@
   <p:cSld>
     <p:spTree>
       <p:nvGrpSpPr>
-        <p:cNvPr id="118" name="Shape 118"/>
+        <p:cNvPr id="124" name="Shape 124"/>
         <p:cNvGrpSpPr/>
         <p:nvPr/>
       </p:nvGrpSpPr>
@@ -10534,7 +10856,7 @@
       </p:grpSpPr>
       <p:sp>
         <p:nvSpPr>
-          <p:cNvPr id="119" name="Google Shape;119;p19"/>
+          <p:cNvPr id="125" name="Google Shape;125;p19"/>
           <p:cNvSpPr txBox="1"/>
           <p:nvPr>
             <p:ph type="title"/>
@@ -10577,6 +10899,46 @@
                 <a:srgbClr val="000000"/>
               </a:solidFill>
             </a:endParaRPr>
+          </a:p>
+        </p:txBody>
+      </p:sp>
+      <p:sp>
+        <p:nvSpPr>
+          <p:cNvPr id="126" name="Google Shape;126;p19"/>
+          <p:cNvSpPr txBox="1"/>
+          <p:nvPr>
+            <p:ph idx="12" type="sldNum"/>
+          </p:nvPr>
+        </p:nvSpPr>
+        <p:spPr>
+          <a:xfrm>
+            <a:off x="8472458" y="4663217"/>
+            <a:ext cx="548700" cy="393600"/>
+          </a:xfrm>
+          <a:prstGeom prst="rect">
+            <a:avLst/>
+          </a:prstGeom>
+        </p:spPr>
+        <p:txBody>
+          <a:bodyPr anchorCtr="0" anchor="ctr" bIns="91425" lIns="91425" spcFirstLastPara="1" rIns="91425" wrap="square" tIns="91425">
+            <a:normAutofit/>
+          </a:bodyPr>
+          <a:lstStyle/>
+          <a:p>
+            <a:pPr indent="0" lvl="0" marL="0" rtl="0" algn="r">
+              <a:spcBef>
+                <a:spcPts val="0"/>
+              </a:spcBef>
+              <a:spcAft>
+                <a:spcPts val="0"/>
+              </a:spcAft>
+              <a:buNone/>
+            </a:pPr>
+            <a:fld id="{00000000-1234-1234-1234-123412341234}" type="slidenum">
+              <a:rPr lang="en"/>
+              <a:t>‹#›</a:t>
+            </a:fld>
+            <a:endParaRPr/>
           </a:p>
         </p:txBody>
       </p:sp>
